--- a/2-代码规范.pptx
+++ b/2-代码规范.pptx
@@ -209,7 +209,7 @@
           <a:p>
             <a:fld id="{EA8862C6-BEEF-4134-B6E8-68B95AB61F4C}" type="datetimeFigureOut">
               <a:rPr lang="zh-CN" altLang="en-US" smtClean="0"/>
-              <a:t>2018/9/28</a:t>
+              <a:t>2018/9/29</a:t>
             </a:fld>
             <a:endParaRPr lang="zh-CN" altLang="en-US"/>
           </a:p>
@@ -1106,7 +1106,7 @@
           <a:p>
             <a:fld id="{3AEA31B5-4A44-4094-93EC-BFB77C83E936}" type="datetimeFigureOut">
               <a:rPr lang="zh-CN" altLang="en-US" smtClean="0"/>
-              <a:t>2018/9/28</a:t>
+              <a:t>2018/9/29</a:t>
             </a:fld>
             <a:endParaRPr lang="zh-CN" altLang="en-US"/>
           </a:p>
@@ -1276,7 +1276,7 @@
           <a:p>
             <a:fld id="{3AEA31B5-4A44-4094-93EC-BFB77C83E936}" type="datetimeFigureOut">
               <a:rPr lang="zh-CN" altLang="en-US" smtClean="0"/>
-              <a:t>2018/9/28</a:t>
+              <a:t>2018/9/29</a:t>
             </a:fld>
             <a:endParaRPr lang="zh-CN" altLang="en-US"/>
           </a:p>
@@ -1456,7 +1456,7 @@
           <a:p>
             <a:fld id="{3AEA31B5-4A44-4094-93EC-BFB77C83E936}" type="datetimeFigureOut">
               <a:rPr lang="zh-CN" altLang="en-US" smtClean="0"/>
-              <a:t>2018/9/28</a:t>
+              <a:t>2018/9/29</a:t>
             </a:fld>
             <a:endParaRPr lang="zh-CN" altLang="en-US"/>
           </a:p>
@@ -1551,7 +1551,7 @@
           <a:p>
             <a:fld id="{560512A5-3671-4918-88E3-78FFDB4D6C36}" type="datetimeFigureOut">
               <a:rPr lang="zh-CN" altLang="en-US" smtClean="0"/>
-              <a:t>2018/9/28</a:t>
+              <a:t>2018/9/29</a:t>
             </a:fld>
             <a:endParaRPr lang="zh-CN" altLang="en-US"/>
           </a:p>
@@ -1661,7 +1661,7 @@
           <a:p>
             <a:fld id="{560512A5-3671-4918-88E3-78FFDB4D6C36}" type="datetimeFigureOut">
               <a:rPr lang="zh-CN" altLang="en-US" smtClean="0"/>
-              <a:t>2018/9/28</a:t>
+              <a:t>2018/9/29</a:t>
             </a:fld>
             <a:endParaRPr lang="zh-CN" altLang="en-US"/>
           </a:p>
@@ -1771,7 +1771,7 @@
           <a:p>
             <a:fld id="{560512A5-3671-4918-88E3-78FFDB4D6C36}" type="datetimeFigureOut">
               <a:rPr lang="zh-CN" altLang="en-US" smtClean="0"/>
-              <a:t>2018/9/28</a:t>
+              <a:t>2018/9/29</a:t>
             </a:fld>
             <a:endParaRPr lang="zh-CN" altLang="en-US"/>
           </a:p>
@@ -1881,7 +1881,7 @@
           <a:p>
             <a:fld id="{560512A5-3671-4918-88E3-78FFDB4D6C36}" type="datetimeFigureOut">
               <a:rPr lang="zh-CN" altLang="en-US" smtClean="0"/>
-              <a:t>2018/9/28</a:t>
+              <a:t>2018/9/29</a:t>
             </a:fld>
             <a:endParaRPr lang="zh-CN" altLang="en-US"/>
           </a:p>
@@ -2066,7 +2066,7 @@
           <a:p>
             <a:fld id="{3AEA31B5-4A44-4094-93EC-BFB77C83E936}" type="datetimeFigureOut">
               <a:rPr lang="zh-CN" altLang="en-US" smtClean="0"/>
-              <a:t>2018/9/28</a:t>
+              <a:t>2018/9/29</a:t>
             </a:fld>
             <a:endParaRPr lang="zh-CN" altLang="en-US"/>
           </a:p>
@@ -2312,7 +2312,7 @@
           <a:p>
             <a:fld id="{3AEA31B5-4A44-4094-93EC-BFB77C83E936}" type="datetimeFigureOut">
               <a:rPr lang="zh-CN" altLang="en-US" smtClean="0"/>
-              <a:t>2018/9/28</a:t>
+              <a:t>2018/9/29</a:t>
             </a:fld>
             <a:endParaRPr lang="zh-CN" altLang="en-US"/>
           </a:p>
@@ -2544,7 +2544,7 @@
           <a:p>
             <a:fld id="{3AEA31B5-4A44-4094-93EC-BFB77C83E936}" type="datetimeFigureOut">
               <a:rPr lang="zh-CN" altLang="en-US" smtClean="0"/>
-              <a:t>2018/9/28</a:t>
+              <a:t>2018/9/29</a:t>
             </a:fld>
             <a:endParaRPr lang="zh-CN" altLang="en-US"/>
           </a:p>
@@ -2911,7 +2911,7 @@
           <a:p>
             <a:fld id="{3AEA31B5-4A44-4094-93EC-BFB77C83E936}" type="datetimeFigureOut">
               <a:rPr lang="zh-CN" altLang="en-US" smtClean="0"/>
-              <a:t>2018/9/28</a:t>
+              <a:t>2018/9/29</a:t>
             </a:fld>
             <a:endParaRPr lang="zh-CN" altLang="en-US"/>
           </a:p>
@@ -3029,7 +3029,7 @@
           <a:p>
             <a:fld id="{3AEA31B5-4A44-4094-93EC-BFB77C83E936}" type="datetimeFigureOut">
               <a:rPr lang="zh-CN" altLang="en-US" smtClean="0"/>
-              <a:t>2018/9/28</a:t>
+              <a:t>2018/9/29</a:t>
             </a:fld>
             <a:endParaRPr lang="zh-CN" altLang="en-US"/>
           </a:p>
@@ -3124,7 +3124,7 @@
           <a:p>
             <a:fld id="{3AEA31B5-4A44-4094-93EC-BFB77C83E936}" type="datetimeFigureOut">
               <a:rPr lang="zh-CN" altLang="en-US" smtClean="0"/>
-              <a:t>2018/9/28</a:t>
+              <a:t>2018/9/29</a:t>
             </a:fld>
             <a:endParaRPr lang="zh-CN" altLang="en-US"/>
           </a:p>
@@ -3401,7 +3401,7 @@
           <a:p>
             <a:fld id="{3AEA31B5-4A44-4094-93EC-BFB77C83E936}" type="datetimeFigureOut">
               <a:rPr lang="zh-CN" altLang="en-US" smtClean="0"/>
-              <a:t>2018/9/28</a:t>
+              <a:t>2018/9/29</a:t>
             </a:fld>
             <a:endParaRPr lang="zh-CN" altLang="en-US"/>
           </a:p>
@@ -3654,7 +3654,7 @@
           <a:p>
             <a:fld id="{3AEA31B5-4A44-4094-93EC-BFB77C83E936}" type="datetimeFigureOut">
               <a:rPr lang="zh-CN" altLang="en-US" smtClean="0"/>
-              <a:t>2018/9/28</a:t>
+              <a:t>2018/9/29</a:t>
             </a:fld>
             <a:endParaRPr lang="zh-CN" altLang="en-US"/>
           </a:p>
@@ -3867,7 +3867,7 @@
           <a:p>
             <a:fld id="{3AEA31B5-4A44-4094-93EC-BFB77C83E936}" type="datetimeFigureOut">
               <a:rPr lang="zh-CN" altLang="en-US" smtClean="0"/>
-              <a:t>2018/9/28</a:t>
+              <a:t>2018/9/29</a:t>
             </a:fld>
             <a:endParaRPr lang="zh-CN" altLang="en-US"/>
           </a:p>
@@ -30790,7 +30790,7 @@
         <p:spPr>
           <a:xfrm>
             <a:off x="1500378" y="1027906"/>
-            <a:ext cx="8593282" cy="2308324"/>
+            <a:ext cx="8593282" cy="2585323"/>
           </a:xfrm>
           <a:prstGeom prst="rect">
             <a:avLst/>
@@ -30897,8 +30897,55 @@
                 <a:latin typeface="方正姚体" panose="02010601030101010101" pitchFamily="2" charset="-122"/>
                 <a:ea typeface="方正姚体" panose="02010601030101010101" pitchFamily="2" charset="-122"/>
               </a:rPr>
-              <a:t>如果在调试中发现某段落容易出现错误，应该注明。</a:t>
-            </a:r>
+              <a:t>如果在调试中发现某段落容易出现错误，应该注明</a:t>
+            </a:r>
+            <a:r>
+              <a:rPr lang="zh-CN" altLang="en-US" dirty="0" smtClean="0">
+                <a:solidFill>
+                  <a:schemeClr val="bg1"/>
+                </a:solidFill>
+                <a:latin typeface="方正姚体" panose="02010601030101010101" pitchFamily="2" charset="-122"/>
+                <a:ea typeface="方正姚体" panose="02010601030101010101" pitchFamily="2" charset="-122"/>
+              </a:rPr>
+              <a:t>。</a:t>
+            </a:r>
+            <a:endParaRPr lang="en-US" altLang="zh-CN" dirty="0" smtClean="0">
+              <a:solidFill>
+                <a:schemeClr val="bg1"/>
+              </a:solidFill>
+              <a:latin typeface="方正姚体" panose="02010601030101010101" pitchFamily="2" charset="-122"/>
+              <a:ea typeface="方正姚体" panose="02010601030101010101" pitchFamily="2" charset="-122"/>
+            </a:endParaRPr>
+          </a:p>
+          <a:p>
+            <a:pPr latinLnBrk="1"/>
+            <a:r>
+              <a:rPr lang="en-US" altLang="zh-CN" dirty="0">
+                <a:solidFill>
+                  <a:schemeClr val="bg1"/>
+                </a:solidFill>
+                <a:latin typeface="方正姚体" panose="02010601030101010101" pitchFamily="2" charset="-122"/>
+                <a:ea typeface="方正姚体" panose="02010601030101010101" pitchFamily="2" charset="-122"/>
+              </a:rPr>
+              <a:t>· </a:t>
+            </a:r>
+            <a:r>
+              <a:rPr lang="zh-CN" altLang="en-US" dirty="0" smtClean="0">
+                <a:solidFill>
+                  <a:schemeClr val="bg1"/>
+                </a:solidFill>
+                <a:latin typeface="方正姚体" panose="02010601030101010101" pitchFamily="2" charset="-122"/>
+                <a:ea typeface="方正姚体" panose="02010601030101010101" pitchFamily="2" charset="-122"/>
+              </a:rPr>
+              <a:t>需在源代码文件头部放置注释信息</a:t>
+            </a:r>
+            <a:endParaRPr lang="zh-CN" altLang="en-US" dirty="0">
+              <a:solidFill>
+                <a:schemeClr val="bg1"/>
+              </a:solidFill>
+              <a:latin typeface="方正姚体" panose="02010601030101010101" pitchFamily="2" charset="-122"/>
+              <a:ea typeface="方正姚体" panose="02010601030101010101" pitchFamily="2" charset="-122"/>
+            </a:endParaRPr>
           </a:p>
           <a:p>
             <a:endParaRPr lang="en-US" altLang="zh-CN" dirty="0" smtClean="0">
@@ -31009,7 +31056,7 @@
           </p:cNvPicPr>
           <p:nvPr/>
         </p:nvPicPr>
-        <p:blipFill>
+        <p:blipFill rotWithShape="1">
           <a:blip r:embed="rId3">
             <a:extLst>
               <a:ext uri="{28A0092B-C50C-407E-A947-70E740481C1C}">
@@ -31017,14 +31064,13 @@
               </a:ext>
             </a:extLst>
           </a:blip>
-          <a:stretch>
-            <a:fillRect/>
-          </a:stretch>
+          <a:srcRect l="136" t="853" r="28020" b="1626"/>
+          <a:stretch/>
         </p:blipFill>
         <p:spPr>
           <a:xfrm>
-            <a:off x="6333258" y="1246909"/>
-            <a:ext cx="5231886" cy="3310803"/>
+            <a:off x="8082666" y="516740"/>
+            <a:ext cx="3758686" cy="3228721"/>
           </a:xfrm>
           <a:prstGeom prst="rect">
             <a:avLst/>
@@ -31039,7 +31085,7 @@
           </p:cNvPicPr>
           <p:nvPr/>
         </p:nvPicPr>
-        <p:blipFill>
+        <p:blipFill rotWithShape="1">
           <a:blip r:embed="rId4">
             <a:extLst>
               <a:ext uri="{28A0092B-C50C-407E-A947-70E740481C1C}">
@@ -31047,14 +31093,37 @@
               </a:ext>
             </a:extLst>
           </a:blip>
+          <a:srcRect r="18475" b="4139"/>
+          <a:stretch/>
+        </p:blipFill>
+        <p:spPr>
+          <a:xfrm>
+            <a:off x="7035887" y="3953045"/>
+            <a:ext cx="5156113" cy="1844404"/>
+          </a:xfrm>
+          <a:prstGeom prst="rect">
+            <a:avLst/>
+          </a:prstGeom>
+        </p:spPr>
+      </p:pic>
+      <p:pic>
+        <p:nvPicPr>
+          <p:cNvPr id="8" name="图片 7"/>
+          <p:cNvPicPr>
+            <a:picLocks noChangeAspect="1"/>
+          </p:cNvPicPr>
+          <p:nvPr/>
+        </p:nvPicPr>
+        <p:blipFill>
+          <a:blip r:embed="rId5"/>
           <a:stretch>
             <a:fillRect/>
           </a:stretch>
         </p:blipFill>
         <p:spPr>
           <a:xfrm>
-            <a:off x="5687291" y="4569415"/>
-            <a:ext cx="6324600" cy="1924050"/>
+            <a:off x="5360408" y="2569821"/>
+            <a:ext cx="3914286" cy="2219048"/>
           </a:xfrm>
           <a:prstGeom prst="rect">
             <a:avLst/>
@@ -31590,7 +31659,7 @@
                                         <p:tgtEl>
                                           <p:spTgt spid="4">
                                             <p:txEl>
-                                              <p:pRg st="5" end="5"/>
+                                              <p:pRg st="4" end="4"/>
                                             </p:txEl>
                                           </p:spTgt>
                                         </p:tgtEl>
@@ -31608,7 +31677,7 @@
                                         <p:tgtEl>
                                           <p:spTgt spid="4">
                                             <p:txEl>
-                                              <p:pRg st="5" end="5"/>
+                                              <p:pRg st="4" end="4"/>
                                             </p:txEl>
                                           </p:spTgt>
                                         </p:tgtEl>
@@ -31635,7 +31704,7 @@
                                         <p:tgtEl>
                                           <p:spTgt spid="4">
                                             <p:txEl>
-                                              <p:pRg st="5" end="5"/>
+                                              <p:pRg st="4" end="4"/>
                                             </p:txEl>
                                           </p:spTgt>
                                         </p:tgtEl>
@@ -31662,7 +31731,7 @@
                                         <p:tgtEl>
                                           <p:spTgt spid="4">
                                             <p:txEl>
-                                              <p:pRg st="5" end="5"/>
+                                              <p:pRg st="4" end="4"/>
                                             </p:txEl>
                                           </p:spTgt>
                                         </p:tgtEl>
@@ -31780,36 +31849,31 @@
                             </p:childTnLst>
                           </p:cTn>
                         </p:par>
-                      </p:childTnLst>
-                    </p:cTn>
-                  </p:par>
-                  <p:par>
-                    <p:cTn id="44" fill="hold">
-                      <p:stCondLst>
-                        <p:cond delay="indefinite"/>
-                      </p:stCondLst>
-                      <p:childTnLst>
                         <p:par>
-                          <p:cTn id="45" fill="hold">
+                          <p:cTn id="44" fill="hold">
                             <p:stCondLst>
-                              <p:cond delay="0"/>
+                              <p:cond delay="3500"/>
                             </p:stCondLst>
                             <p:childTnLst>
                               <p:par>
-                                <p:cTn id="46" presetID="53" presetClass="entr" presetSubtype="16" fill="hold" nodeType="clickEffect">
+                                <p:cTn id="45" presetID="53" presetClass="entr" presetSubtype="16" fill="hold" nodeType="afterEffect">
                                   <p:stCondLst>
                                     <p:cond delay="0"/>
                                   </p:stCondLst>
                                   <p:childTnLst>
                                     <p:set>
                                       <p:cBhvr>
-                                        <p:cTn id="47" dur="1" fill="hold">
+                                        <p:cTn id="46" dur="1" fill="hold">
                                           <p:stCondLst>
                                             <p:cond delay="0"/>
                                           </p:stCondLst>
                                         </p:cTn>
                                         <p:tgtEl>
-                                          <p:spTgt spid="5"/>
+                                          <p:spTgt spid="4">
+                                            <p:txEl>
+                                              <p:pRg st="7" end="7"/>
+                                            </p:txEl>
+                                          </p:spTgt>
                                         </p:tgtEl>
                                         <p:attrNameLst>
                                           <p:attrName>style.visibility</p:attrName>
@@ -31821,9 +31885,13 @@
                                     </p:set>
                                     <p:anim calcmode="lin" valueType="num">
                                       <p:cBhvr>
-                                        <p:cTn id="48" dur="500" fill="hold"/>
-                                        <p:tgtEl>
-                                          <p:spTgt spid="5"/>
+                                        <p:cTn id="47" dur="500" fill="hold"/>
+                                        <p:tgtEl>
+                                          <p:spTgt spid="4">
+                                            <p:txEl>
+                                              <p:pRg st="7" end="7"/>
+                                            </p:txEl>
+                                          </p:spTgt>
                                         </p:tgtEl>
                                         <p:attrNameLst>
                                           <p:attrName>ppt_w</p:attrName>
@@ -31844,9 +31912,13 @@
                                     </p:anim>
                                     <p:anim calcmode="lin" valueType="num">
                                       <p:cBhvr>
-                                        <p:cTn id="49" dur="500" fill="hold"/>
-                                        <p:tgtEl>
-                                          <p:spTgt spid="5"/>
+                                        <p:cTn id="48" dur="500" fill="hold"/>
+                                        <p:tgtEl>
+                                          <p:spTgt spid="4">
+                                            <p:txEl>
+                                              <p:pRg st="7" end="7"/>
+                                            </p:txEl>
+                                          </p:spTgt>
                                         </p:tgtEl>
                                         <p:attrNameLst>
                                           <p:attrName>ppt_h</p:attrName>
@@ -31867,9 +31939,13 @@
                                     </p:anim>
                                     <p:animEffect transition="in" filter="fade">
                                       <p:cBhvr>
-                                        <p:cTn id="50" dur="500"/>
-                                        <p:tgtEl>
-                                          <p:spTgt spid="5"/>
+                                        <p:cTn id="49" dur="500"/>
+                                        <p:tgtEl>
+                                          <p:spTgt spid="4">
+                                            <p:txEl>
+                                              <p:pRg st="7" end="7"/>
+                                            </p:txEl>
+                                          </p:spTgt>
                                         </p:tgtEl>
                                       </p:cBhvr>
                                     </p:animEffect>
@@ -31883,32 +31959,32 @@
                     </p:cTn>
                   </p:par>
                   <p:par>
-                    <p:cTn id="51" fill="hold">
+                    <p:cTn id="50" fill="hold">
                       <p:stCondLst>
                         <p:cond delay="indefinite"/>
                       </p:stCondLst>
                       <p:childTnLst>
                         <p:par>
-                          <p:cTn id="52" fill="hold">
+                          <p:cTn id="51" fill="hold">
                             <p:stCondLst>
                               <p:cond delay="0"/>
                             </p:stCondLst>
                             <p:childTnLst>
                               <p:par>
-                                <p:cTn id="53" presetID="53" presetClass="entr" presetSubtype="16" fill="hold" nodeType="clickEffect">
+                                <p:cTn id="52" presetID="53" presetClass="entr" presetSubtype="16" fill="hold" nodeType="clickEffect">
                                   <p:stCondLst>
                                     <p:cond delay="0"/>
                                   </p:stCondLst>
                                   <p:childTnLst>
                                     <p:set>
                                       <p:cBhvr>
-                                        <p:cTn id="54" dur="1" fill="hold">
+                                        <p:cTn id="53" dur="1" fill="hold">
                                           <p:stCondLst>
                                             <p:cond delay="0"/>
                                           </p:stCondLst>
                                         </p:cTn>
                                         <p:tgtEl>
-                                          <p:spTgt spid="6"/>
+                                          <p:spTgt spid="5"/>
                                         </p:tgtEl>
                                         <p:attrNameLst>
                                           <p:attrName>style.visibility</p:attrName>
@@ -31920,9 +31996,9 @@
                                     </p:set>
                                     <p:anim calcmode="lin" valueType="num">
                                       <p:cBhvr>
-                                        <p:cTn id="55" dur="500" fill="hold"/>
-                                        <p:tgtEl>
-                                          <p:spTgt spid="6"/>
+                                        <p:cTn id="54" dur="500" fill="hold"/>
+                                        <p:tgtEl>
+                                          <p:spTgt spid="5"/>
                                         </p:tgtEl>
                                         <p:attrNameLst>
                                           <p:attrName>ppt_w</p:attrName>
@@ -31943,9 +32019,9 @@
                                     </p:anim>
                                     <p:anim calcmode="lin" valueType="num">
                                       <p:cBhvr>
-                                        <p:cTn id="56" dur="500" fill="hold"/>
-                                        <p:tgtEl>
-                                          <p:spTgt spid="6"/>
+                                        <p:cTn id="55" dur="500" fill="hold"/>
+                                        <p:tgtEl>
+                                          <p:spTgt spid="5"/>
                                         </p:tgtEl>
                                         <p:attrNameLst>
                                           <p:attrName>ppt_h</p:attrName>
@@ -31966,9 +32042,9 @@
                                     </p:anim>
                                     <p:animEffect transition="in" filter="fade">
                                       <p:cBhvr>
-                                        <p:cTn id="57" dur="500"/>
-                                        <p:tgtEl>
-                                          <p:spTgt spid="6"/>
+                                        <p:cTn id="56" dur="500"/>
+                                        <p:tgtEl>
+                                          <p:spTgt spid="5"/>
                                         </p:tgtEl>
                                       </p:cBhvr>
                                     </p:animEffect>
@@ -31978,14 +32054,23 @@
                             </p:childTnLst>
                           </p:cTn>
                         </p:par>
+                      </p:childTnLst>
+                    </p:cTn>
+                  </p:par>
+                  <p:par>
+                    <p:cTn id="57" fill="hold">
+                      <p:stCondLst>
+                        <p:cond delay="indefinite"/>
+                      </p:stCondLst>
+                      <p:childTnLst>
                         <p:par>
                           <p:cTn id="58" fill="hold">
                             <p:stCondLst>
-                              <p:cond delay="500"/>
+                              <p:cond delay="0"/>
                             </p:stCondLst>
                             <p:childTnLst>
                               <p:par>
-                                <p:cTn id="59" presetID="53" presetClass="entr" presetSubtype="16" fill="hold" nodeType="afterEffect">
+                                <p:cTn id="59" presetID="22" presetClass="entr" presetSubtype="4" fill="hold" nodeType="clickEffect">
                                   <p:stCondLst>
                                     <p:cond delay="0"/>
                                   </p:stCondLst>
@@ -31998,7 +32083,60 @@
                                           </p:stCondLst>
                                         </p:cTn>
                                         <p:tgtEl>
-                                          <p:spTgt spid="7"/>
+                                          <p:spTgt spid="8"/>
+                                        </p:tgtEl>
+                                        <p:attrNameLst>
+                                          <p:attrName>style.visibility</p:attrName>
+                                        </p:attrNameLst>
+                                      </p:cBhvr>
+                                      <p:to>
+                                        <p:strVal val="visible"/>
+                                      </p:to>
+                                    </p:set>
+                                    <p:animEffect transition="in" filter="wipe(down)">
+                                      <p:cBhvr>
+                                        <p:cTn id="61" dur="500"/>
+                                        <p:tgtEl>
+                                          <p:spTgt spid="8"/>
+                                        </p:tgtEl>
+                                      </p:cBhvr>
+                                    </p:animEffect>
+                                  </p:childTnLst>
+                                </p:cTn>
+                              </p:par>
+                            </p:childTnLst>
+                          </p:cTn>
+                        </p:par>
+                      </p:childTnLst>
+                    </p:cTn>
+                  </p:par>
+                  <p:par>
+                    <p:cTn id="62" fill="hold">
+                      <p:stCondLst>
+                        <p:cond delay="indefinite"/>
+                      </p:stCondLst>
+                      <p:childTnLst>
+                        <p:par>
+                          <p:cTn id="63" fill="hold">
+                            <p:stCondLst>
+                              <p:cond delay="0"/>
+                            </p:stCondLst>
+                            <p:childTnLst>
+                              <p:par>
+                                <p:cTn id="64" presetID="53" presetClass="entr" presetSubtype="16" fill="hold" nodeType="clickEffect">
+                                  <p:stCondLst>
+                                    <p:cond delay="0"/>
+                                  </p:stCondLst>
+                                  <p:childTnLst>
+                                    <p:set>
+                                      <p:cBhvr>
+                                        <p:cTn id="65" dur="1" fill="hold">
+                                          <p:stCondLst>
+                                            <p:cond delay="0"/>
+                                          </p:stCondLst>
+                                        </p:cTn>
+                                        <p:tgtEl>
+                                          <p:spTgt spid="6"/>
                                         </p:tgtEl>
                                         <p:attrNameLst>
                                           <p:attrName>style.visibility</p:attrName>
@@ -32010,9 +32148,9 @@
                                     </p:set>
                                     <p:anim calcmode="lin" valueType="num">
                                       <p:cBhvr>
-                                        <p:cTn id="61" dur="500" fill="hold"/>
-                                        <p:tgtEl>
-                                          <p:spTgt spid="7"/>
+                                        <p:cTn id="66" dur="500" fill="hold"/>
+                                        <p:tgtEl>
+                                          <p:spTgt spid="6"/>
                                         </p:tgtEl>
                                         <p:attrNameLst>
                                           <p:attrName>ppt_w</p:attrName>
@@ -32033,9 +32171,9 @@
                                     </p:anim>
                                     <p:anim calcmode="lin" valueType="num">
                                       <p:cBhvr>
-                                        <p:cTn id="62" dur="500" fill="hold"/>
-                                        <p:tgtEl>
-                                          <p:spTgt spid="7"/>
+                                        <p:cTn id="67" dur="500" fill="hold"/>
+                                        <p:tgtEl>
+                                          <p:spTgt spid="6"/>
                                         </p:tgtEl>
                                         <p:attrNameLst>
                                           <p:attrName>ppt_h</p:attrName>
@@ -32056,7 +32194,97 @@
                                     </p:anim>
                                     <p:animEffect transition="in" filter="fade">
                                       <p:cBhvr>
-                                        <p:cTn id="63" dur="500"/>
+                                        <p:cTn id="68" dur="500"/>
+                                        <p:tgtEl>
+                                          <p:spTgt spid="6"/>
+                                        </p:tgtEl>
+                                      </p:cBhvr>
+                                    </p:animEffect>
+                                  </p:childTnLst>
+                                </p:cTn>
+                              </p:par>
+                            </p:childTnLst>
+                          </p:cTn>
+                        </p:par>
+                        <p:par>
+                          <p:cTn id="69" fill="hold">
+                            <p:stCondLst>
+                              <p:cond delay="500"/>
+                            </p:stCondLst>
+                            <p:childTnLst>
+                              <p:par>
+                                <p:cTn id="70" presetID="53" presetClass="entr" presetSubtype="16" fill="hold" nodeType="afterEffect">
+                                  <p:stCondLst>
+                                    <p:cond delay="0"/>
+                                  </p:stCondLst>
+                                  <p:childTnLst>
+                                    <p:set>
+                                      <p:cBhvr>
+                                        <p:cTn id="71" dur="1" fill="hold">
+                                          <p:stCondLst>
+                                            <p:cond delay="0"/>
+                                          </p:stCondLst>
+                                        </p:cTn>
+                                        <p:tgtEl>
+                                          <p:spTgt spid="7"/>
+                                        </p:tgtEl>
+                                        <p:attrNameLst>
+                                          <p:attrName>style.visibility</p:attrName>
+                                        </p:attrNameLst>
+                                      </p:cBhvr>
+                                      <p:to>
+                                        <p:strVal val="visible"/>
+                                      </p:to>
+                                    </p:set>
+                                    <p:anim calcmode="lin" valueType="num">
+                                      <p:cBhvr>
+                                        <p:cTn id="72" dur="500" fill="hold"/>
+                                        <p:tgtEl>
+                                          <p:spTgt spid="7"/>
+                                        </p:tgtEl>
+                                        <p:attrNameLst>
+                                          <p:attrName>ppt_w</p:attrName>
+                                        </p:attrNameLst>
+                                      </p:cBhvr>
+                                      <p:tavLst>
+                                        <p:tav tm="0">
+                                          <p:val>
+                                            <p:fltVal val="0"/>
+                                          </p:val>
+                                        </p:tav>
+                                        <p:tav tm="100000">
+                                          <p:val>
+                                            <p:strVal val="#ppt_w"/>
+                                          </p:val>
+                                        </p:tav>
+                                      </p:tavLst>
+                                    </p:anim>
+                                    <p:anim calcmode="lin" valueType="num">
+                                      <p:cBhvr>
+                                        <p:cTn id="73" dur="500" fill="hold"/>
+                                        <p:tgtEl>
+                                          <p:spTgt spid="7"/>
+                                        </p:tgtEl>
+                                        <p:attrNameLst>
+                                          <p:attrName>ppt_h</p:attrName>
+                                        </p:attrNameLst>
+                                      </p:cBhvr>
+                                      <p:tavLst>
+                                        <p:tav tm="0">
+                                          <p:val>
+                                            <p:fltVal val="0"/>
+                                          </p:val>
+                                        </p:tav>
+                                        <p:tav tm="100000">
+                                          <p:val>
+                                            <p:strVal val="#ppt_h"/>
+                                          </p:val>
+                                        </p:tav>
+                                      </p:tavLst>
+                                    </p:anim>
+                                    <p:animEffect transition="in" filter="fade">
+                                      <p:cBhvr>
+                                        <p:cTn id="74" dur="500"/>
                                         <p:tgtEl>
                                           <p:spTgt spid="7"/>
                                         </p:tgtEl>
